--- a/review 4.pptx
+++ b/review 4.pptx
@@ -20282,7 +20282,7 @@
         </p:nvSpPr>
         <p:spPr>
           <a:xfrm>
-            <a:off x="812800" y="1143000"/>
+            <a:off x="558800" y="1530350"/>
             <a:ext cx="10668000" cy="4178300"/>
           </a:xfrm>
           <a:prstGeom prst="rect">
@@ -20618,7 +20618,7 @@
                 <a:ea typeface="Cambria" panose="02040503050406030204" pitchFamily="18" charset="0"/>
                 <a:hlinkClick r:id="rId3"/>
               </a:rPr>
-              <a:t>https://github.com/navya2529/ema-capestone-project.git</a:t>
+              <a:t>https://github.com/Navya2529/capestone-project.git</a:t>
             </a:r>
             <a:endParaRPr lang="en-US" b="1" dirty="0">
               <a:solidFill>
